--- a/ppt/OT.pptx
+++ b/ppt/OT.pptx
@@ -31403,15 +31403,30 @@
           </a:p>
           <a:p>
             <a:r>
+              <a:rPr lang="ko-KR" altLang="en-US" dirty="0"/>
+              <a:t>전화</a:t>
+            </a:r>
+            <a:r>
               <a:rPr lang="en-US" altLang="ko-KR" dirty="0"/>
-              <a:t>…</a:t>
+              <a:t>: 010-4277-3971</a:t>
             </a:r>
           </a:p>
           <a:p>
             <a:r>
+              <a:rPr lang="ko-KR" altLang="en-US" dirty="0"/>
+              <a:t>이멜</a:t>
+            </a:r>
+            <a:r>
               <a:rPr lang="en-US" altLang="ko-KR" dirty="0"/>
-              <a:t>…</a:t>
+              <a:t>: </a:t>
             </a:r>
+            <a:r>
+              <a:rPr lang="en-US" altLang="ko-KR" dirty="0">
+                <a:hlinkClick r:id="rId2"/>
+              </a:rPr>
+              <a:t>syh5477@gmail.com</a:t>
+            </a:r>
+            <a:endParaRPr lang="en-US" altLang="ko-KR" dirty="0"/>
           </a:p>
           <a:p>
             <a:r>
@@ -31462,7 +31477,7 @@
           </p:nvPr>
         </p:nvPicPr>
         <p:blipFill>
-          <a:blip r:embed="rId2">
+          <a:blip r:embed="rId3">
             <a:extLst>
               <a:ext uri="{28A0092B-C50C-407E-A947-70E740481C1C}">
                 <a14:useLocalDpi xmlns:a14="http://schemas.microsoft.com/office/drawing/2010/main" val="0"/>
